--- a/10__5.1__Off-Campus_Internships/1__3.1__沈北新区__1.5_year/ETP_&_NEU.pptx
+++ b/10__5.1__Off-Campus_Internships/1__3.1__沈北新区__1.5_year/ETP_&_NEU.pptx
@@ -104,6 +104,11 @@
       </a:defRPr>
     </a:lvl9pPr>
   </p:defaultTextStyle>
+  <p:extLst>
+    <p:ext uri="{EFAFB233-063F-42B5-8137-9DF3F51BA10A}">
+      <p15:sldGuideLst xmlns:p15="http://schemas.microsoft.com/office/powerpoint/2012/main"/>
+    </p:ext>
+  </p:extLst>
 </p:presentation>
 </file>
 
@@ -254,7 +259,7 @@
           <a:p>
             <a:fld id="{41A39936-077B-416D-A0E2-E5C496ED9C6C}" type="datetimeFigureOut">
               <a:rPr lang="zh-CN" altLang="en-US" smtClean="0"/>
-              <a:t>2024/2/18</a:t>
+              <a:t>2024/2/22</a:t>
             </a:fld>
             <a:endParaRPr lang="zh-CN" altLang="en-US"/>
           </a:p>
@@ -452,7 +457,7 @@
           <a:p>
             <a:fld id="{41A39936-077B-416D-A0E2-E5C496ED9C6C}" type="datetimeFigureOut">
               <a:rPr lang="zh-CN" altLang="en-US" smtClean="0"/>
-              <a:t>2024/2/18</a:t>
+              <a:t>2024/2/22</a:t>
             </a:fld>
             <a:endParaRPr lang="zh-CN" altLang="en-US"/>
           </a:p>
@@ -660,7 +665,7 @@
           <a:p>
             <a:fld id="{41A39936-077B-416D-A0E2-E5C496ED9C6C}" type="datetimeFigureOut">
               <a:rPr lang="zh-CN" altLang="en-US" smtClean="0"/>
-              <a:t>2024/2/18</a:t>
+              <a:t>2024/2/22</a:t>
             </a:fld>
             <a:endParaRPr lang="zh-CN" altLang="en-US"/>
           </a:p>
@@ -858,7 +863,7 @@
           <a:p>
             <a:fld id="{41A39936-077B-416D-A0E2-E5C496ED9C6C}" type="datetimeFigureOut">
               <a:rPr lang="zh-CN" altLang="en-US" smtClean="0"/>
-              <a:t>2024/2/18</a:t>
+              <a:t>2024/2/22</a:t>
             </a:fld>
             <a:endParaRPr lang="zh-CN" altLang="en-US"/>
           </a:p>
@@ -1133,7 +1138,7 @@
           <a:p>
             <a:fld id="{41A39936-077B-416D-A0E2-E5C496ED9C6C}" type="datetimeFigureOut">
               <a:rPr lang="zh-CN" altLang="en-US" smtClean="0"/>
-              <a:t>2024/2/18</a:t>
+              <a:t>2024/2/22</a:t>
             </a:fld>
             <a:endParaRPr lang="zh-CN" altLang="en-US"/>
           </a:p>
@@ -1398,7 +1403,7 @@
           <a:p>
             <a:fld id="{41A39936-077B-416D-A0E2-E5C496ED9C6C}" type="datetimeFigureOut">
               <a:rPr lang="zh-CN" altLang="en-US" smtClean="0"/>
-              <a:t>2024/2/18</a:t>
+              <a:t>2024/2/22</a:t>
             </a:fld>
             <a:endParaRPr lang="zh-CN" altLang="en-US"/>
           </a:p>
@@ -1810,7 +1815,7 @@
           <a:p>
             <a:fld id="{41A39936-077B-416D-A0E2-E5C496ED9C6C}" type="datetimeFigureOut">
               <a:rPr lang="zh-CN" altLang="en-US" smtClean="0"/>
-              <a:t>2024/2/18</a:t>
+              <a:t>2024/2/22</a:t>
             </a:fld>
             <a:endParaRPr lang="zh-CN" altLang="en-US"/>
           </a:p>
@@ -1951,7 +1956,7 @@
           <a:p>
             <a:fld id="{41A39936-077B-416D-A0E2-E5C496ED9C6C}" type="datetimeFigureOut">
               <a:rPr lang="zh-CN" altLang="en-US" smtClean="0"/>
-              <a:t>2024/2/18</a:t>
+              <a:t>2024/2/22</a:t>
             </a:fld>
             <a:endParaRPr lang="zh-CN" altLang="en-US"/>
           </a:p>
@@ -2064,7 +2069,7 @@
           <a:p>
             <a:fld id="{41A39936-077B-416D-A0E2-E5C496ED9C6C}" type="datetimeFigureOut">
               <a:rPr lang="zh-CN" altLang="en-US" smtClean="0"/>
-              <a:t>2024/2/18</a:t>
+              <a:t>2024/2/22</a:t>
             </a:fld>
             <a:endParaRPr lang="zh-CN" altLang="en-US"/>
           </a:p>
@@ -2375,7 +2380,7 @@
           <a:p>
             <a:fld id="{41A39936-077B-416D-A0E2-E5C496ED9C6C}" type="datetimeFigureOut">
               <a:rPr lang="zh-CN" altLang="en-US" smtClean="0"/>
-              <a:t>2024/2/18</a:t>
+              <a:t>2024/2/22</a:t>
             </a:fld>
             <a:endParaRPr lang="zh-CN" altLang="en-US"/>
           </a:p>
@@ -2663,7 +2668,7 @@
           <a:p>
             <a:fld id="{41A39936-077B-416D-A0E2-E5C496ED9C6C}" type="datetimeFigureOut">
               <a:rPr lang="zh-CN" altLang="en-US" smtClean="0"/>
-              <a:t>2024/2/18</a:t>
+              <a:t>2024/2/22</a:t>
             </a:fld>
             <a:endParaRPr lang="zh-CN" altLang="en-US"/>
           </a:p>
@@ -2904,7 +2909,7 @@
           <a:p>
             <a:fld id="{41A39936-077B-416D-A0E2-E5C496ED9C6C}" type="datetimeFigureOut">
               <a:rPr lang="zh-CN" altLang="en-US" smtClean="0"/>
-              <a:t>2024/2/18</a:t>
+              <a:t>2024/2/22</a:t>
             </a:fld>
             <a:endParaRPr lang="zh-CN" altLang="en-US"/>
           </a:p>
@@ -3338,14 +3343,14 @@
               <p:nvPr>
                 <p:extLst>
                   <p:ext uri="{D42A27DB-BD31-4B8C-83A1-F6EECF244321}">
-                    <p14:modId xmlns:p14="http://schemas.microsoft.com/office/powerpoint/2010/main" val="2443868305"/>
+                    <p14:modId xmlns:p14="http://schemas.microsoft.com/office/powerpoint/2010/main" val="155346607"/>
                   </p:ext>
                 </p:extLst>
               </p:nvPr>
             </p:nvGraphicFramePr>
             <p:xfrm>
-              <a:off x="879249" y="792065"/>
-              <a:ext cx="10433498" cy="5273866"/>
+              <a:off x="406861" y="-486698"/>
+              <a:ext cx="11556077" cy="7101180"/>
             </p:xfrm>
             <a:graphic>
               <a:graphicData uri="http://schemas.microsoft.com/office/drawing/2017/model3d">
@@ -3353,7 +3358,7 @@
                   <am3d:spPr>
                     <a:xfrm>
                       <a:off x="0" y="0"/>
-                      <a:ext cx="10433498" cy="5273866"/>
+                      <a:ext cx="11556077" cy="7101180"/>
                     </a:xfrm>
                     <a:prstGeom prst="rect">
                       <a:avLst/>
@@ -3373,13 +3378,13 @@
                       <am3d:sy n="1000000" d="1000000"/>
                       <am3d:sz n="1000000" d="1000000"/>
                     </am3d:scale>
-                    <am3d:rot ax="1849647" ay="1987137" az="1083510"/>
+                    <am3d:rot ax="8064886" ay="-2258706" az="-8883899"/>
                     <am3d:postTrans dx="0" dy="0" dz="0"/>
                   </am3d:trans>
                   <am3d:raster rName="Office3DRenderer" rVer="16.0.8326">
                     <am3d:blip r:embed="rId3"/>
                   </am3d:raster>
-                  <am3d:objViewport viewportSz="12166066"/>
+                  <am3d:objViewport viewportSz="13307573"/>
                   <am3d:ambientLight>
                     <am3d:clr>
                       <a:scrgbClr r="50000" g="50000" b="50000"/>
@@ -3435,8 +3440,8 @@
             </p:blipFill>
             <p:spPr>
               <a:xfrm>
-                <a:off x="879249" y="792065"/>
-                <a:ext cx="10433498" cy="5273866"/>
+                <a:off x="406861" y="-486698"/>
+                <a:ext cx="11556077" cy="7101180"/>
               </a:xfrm>
               <a:prstGeom prst="rect">
                 <a:avLst/>
